--- a/Images/Figures_To_Review/Venn_Diagram_Summary.pptx
+++ b/Images/Figures_To_Review/Venn_Diagram_Summary.pptx
@@ -200,7 +200,7 @@
           <a:p>
             <a:fld id="{A9CD932A-8F3F-445A-BB98-0784D76FA3A3}" type="datetimeFigureOut">
               <a:rPr lang="en-US" smtClean="0"/>
-              <a:t>5/7/25</a:t>
+              <a:t>5/8/25</a:t>
             </a:fld>
             <a:endParaRPr lang="en-US"/>
           </a:p>
@@ -722,7 +722,7 @@
           <a:p>
             <a:fld id="{DEA3E70D-7777-4D36-8DA1-3B2457C715AC}" type="datetimeFigureOut">
               <a:rPr lang="en-US" smtClean="0"/>
-              <a:t>5/7/25</a:t>
+              <a:t>5/8/25</a:t>
             </a:fld>
             <a:endParaRPr lang="en-US"/>
           </a:p>
@@ -920,7 +920,7 @@
           <a:p>
             <a:fld id="{DEA3E70D-7777-4D36-8DA1-3B2457C715AC}" type="datetimeFigureOut">
               <a:rPr lang="en-US" smtClean="0"/>
-              <a:t>5/7/25</a:t>
+              <a:t>5/8/25</a:t>
             </a:fld>
             <a:endParaRPr lang="en-US"/>
           </a:p>
@@ -1128,7 +1128,7 @@
           <a:p>
             <a:fld id="{DEA3E70D-7777-4D36-8DA1-3B2457C715AC}" type="datetimeFigureOut">
               <a:rPr lang="en-US" smtClean="0"/>
-              <a:t>5/7/25</a:t>
+              <a:t>5/8/25</a:t>
             </a:fld>
             <a:endParaRPr lang="en-US"/>
           </a:p>
@@ -4163,7 +4163,7 @@
           <a:p>
             <a:fld id="{DEA3E70D-7777-4D36-8DA1-3B2457C715AC}" type="datetimeFigureOut">
               <a:rPr lang="en-US" smtClean="0"/>
-              <a:t>5/7/25</a:t>
+              <a:t>5/8/25</a:t>
             </a:fld>
             <a:endParaRPr lang="en-US"/>
           </a:p>
@@ -5045,7 +5045,7 @@
           <a:p>
             <a:fld id="{DEA3E70D-7777-4D36-8DA1-3B2457C715AC}" type="datetimeFigureOut">
               <a:rPr lang="en-US" smtClean="0"/>
-              <a:t>5/7/25</a:t>
+              <a:t>5/8/25</a:t>
             </a:fld>
             <a:endParaRPr lang="en-US"/>
           </a:p>
@@ -5310,7 +5310,7 @@
           <a:p>
             <a:fld id="{DEA3E70D-7777-4D36-8DA1-3B2457C715AC}" type="datetimeFigureOut">
               <a:rPr lang="en-US" smtClean="0"/>
-              <a:t>5/7/25</a:t>
+              <a:t>5/8/25</a:t>
             </a:fld>
             <a:endParaRPr lang="en-US"/>
           </a:p>
@@ -5722,7 +5722,7 @@
           <a:p>
             <a:fld id="{DEA3E70D-7777-4D36-8DA1-3B2457C715AC}" type="datetimeFigureOut">
               <a:rPr lang="en-US" smtClean="0"/>
-              <a:t>5/7/25</a:t>
+              <a:t>5/8/25</a:t>
             </a:fld>
             <a:endParaRPr lang="en-US"/>
           </a:p>
@@ -5863,7 +5863,7 @@
           <a:p>
             <a:fld id="{DEA3E70D-7777-4D36-8DA1-3B2457C715AC}" type="datetimeFigureOut">
               <a:rPr lang="en-US" smtClean="0"/>
-              <a:t>5/7/25</a:t>
+              <a:t>5/8/25</a:t>
             </a:fld>
             <a:endParaRPr lang="en-US"/>
           </a:p>
@@ -5976,7 +5976,7 @@
           <a:p>
             <a:fld id="{DEA3E70D-7777-4D36-8DA1-3B2457C715AC}" type="datetimeFigureOut">
               <a:rPr lang="en-US" smtClean="0"/>
-              <a:t>5/7/25</a:t>
+              <a:t>5/8/25</a:t>
             </a:fld>
             <a:endParaRPr lang="en-US"/>
           </a:p>
@@ -6287,7 +6287,7 @@
           <a:p>
             <a:fld id="{DEA3E70D-7777-4D36-8DA1-3B2457C715AC}" type="datetimeFigureOut">
               <a:rPr lang="en-US" smtClean="0"/>
-              <a:t>5/7/25</a:t>
+              <a:t>5/8/25</a:t>
             </a:fld>
             <a:endParaRPr lang="en-US"/>
           </a:p>
@@ -6575,7 +6575,7 @@
           <a:p>
             <a:fld id="{DEA3E70D-7777-4D36-8DA1-3B2457C715AC}" type="datetimeFigureOut">
               <a:rPr lang="en-US" smtClean="0"/>
-              <a:t>5/7/25</a:t>
+              <a:t>5/8/25</a:t>
             </a:fld>
             <a:endParaRPr lang="en-US"/>
           </a:p>
@@ -6816,7 +6816,7 @@
           <a:p>
             <a:fld id="{DEA3E70D-7777-4D36-8DA1-3B2457C715AC}" type="datetimeFigureOut">
               <a:rPr lang="en-US" smtClean="0"/>
-              <a:t>5/7/25</a:t>
+              <a:t>5/8/25</a:t>
             </a:fld>
             <a:endParaRPr lang="en-US"/>
           </a:p>
@@ -8908,7 +8908,7 @@
         </p:nvSpPr>
         <p:spPr>
           <a:xfrm>
-            <a:off x="4008196" y="5438708"/>
+            <a:off x="4008196" y="4912028"/>
             <a:ext cx="1226763" cy="1053360"/>
           </a:xfrm>
           <a:prstGeom prst="ellipse">
@@ -10166,7 +10166,7 @@
                   <a:cs typeface="Times New Roman" panose="02020603050405020304" pitchFamily="18" charset="0"/>
                   <a:sym typeface="Arial"/>
                 </a:rPr>
-                <a:t>SRA /Diamond alignment for missing components with low c scores</a:t>
+                <a:t>SRA/Diamond</a:t>
               </a:r>
               <a:endParaRPr sz="1467" kern="0" dirty="0">
                 <a:solidFill>
